--- a/RWorkshopPart1-BasicObjects.pptx
+++ b/RWorkshopPart1-BasicObjects.pptx
@@ -21,8 +21,8 @@
     <p:sldId id="271" r:id="rId12"/>
     <p:sldId id="272" r:id="rId13"/>
     <p:sldId id="258" r:id="rId14"/>
-    <p:sldId id="284" r:id="rId15"/>
-    <p:sldId id="331" r:id="rId16"/>
+    <p:sldId id="364" r:id="rId15"/>
+    <p:sldId id="284" r:id="rId16"/>
     <p:sldId id="285" r:id="rId17"/>
     <p:sldId id="286" r:id="rId18"/>
     <p:sldId id="287" r:id="rId19"/>
@@ -4074,7 +4074,11 @@
             </a:r>
             <a:r>
               <a:rPr lang="en-US" dirty="0" smtClean="0"/>
-              <a:t> - $0.00</a:t>
+              <a:t>* </a:t>
+            </a:r>
+            <a:r>
+              <a:rPr lang="en-US" dirty="0" smtClean="0"/>
+              <a:t>- $0.00</a:t>
             </a:r>
             <a:endParaRPr lang="en-US" dirty="0"/>
           </a:p>
@@ -4218,6 +4222,36 @@
           </a:p>
         </p:txBody>
       </p:sp>
+      <p:sp>
+        <p:nvSpPr>
+          <p:cNvPr id="5" name="TextBox 4"/>
+          <p:cNvSpPr txBox="1"/>
+          <p:nvPr/>
+        </p:nvSpPr>
+        <p:spPr>
+          <a:xfrm>
+            <a:off x="762000" y="6216134"/>
+            <a:ext cx="2613536" cy="369332"/>
+          </a:xfrm>
+          <a:prstGeom prst="rect">
+            <a:avLst/>
+          </a:prstGeom>
+          <a:noFill/>
+        </p:spPr>
+        <p:txBody>
+          <a:bodyPr wrap="none" rtlCol="0">
+            <a:spAutoFit/>
+          </a:bodyPr>
+          <a:lstStyle/>
+          <a:p>
+            <a:r>
+              <a:rPr lang="en-US" dirty="0" smtClean="0"/>
+              <a:t>* The free version, anyway</a:t>
+            </a:r>
+            <a:endParaRPr lang="en-US" dirty="0"/>
+          </a:p>
+        </p:txBody>
+      </p:sp>
     </p:spTree>
     <p:extLst>
       <p:ext uri="{BB962C8B-B14F-4D97-AF65-F5344CB8AC3E}">
@@ -4315,19 +4349,7 @@
             <a:pPr lvl="1"/>
             <a:r>
               <a:rPr lang="en-US" dirty="0" smtClean="0"/>
-              <a:t>But the R community </a:t>
-            </a:r>
-            <a:r>
-              <a:rPr lang="en-US" dirty="0" smtClean="0"/>
-              <a:t>is </a:t>
-            </a:r>
-            <a:r>
-              <a:rPr lang="en-US" dirty="0" smtClean="0"/>
-              <a:t>working on </a:t>
-            </a:r>
-            <a:r>
-              <a:rPr lang="en-US" dirty="0" smtClean="0"/>
-              <a:t>this</a:t>
+              <a:t>But the R community is working on this</a:t>
             </a:r>
             <a:endParaRPr lang="en-US" dirty="0"/>
           </a:p>
@@ -4387,7 +4409,7 @@
           <a:p>
             <a:r>
               <a:rPr lang="en-US" dirty="0" smtClean="0"/>
-              <a:t>Basics/Process</a:t>
+              <a:t>Basics</a:t>
             </a:r>
             <a:endParaRPr lang="en-US" dirty="0"/>
           </a:p>
@@ -4411,13 +4433,25 @@
         </p:spPr>
         <p:txBody>
           <a:bodyPr>
-            <a:normAutofit fontScale="77500" lnSpcReduction="20000"/>
+            <a:normAutofit/>
           </a:bodyPr>
           <a:lstStyle/>
           <a:p>
             <a:r>
               <a:rPr lang="en-US" dirty="0" smtClean="0"/>
-              <a:t>People learn best by doing … but lectures are the opposite of doing</a:t>
+              <a:t>People learn best by doing … but </a:t>
+            </a:r>
+            <a:r>
+              <a:rPr lang="en-US" dirty="0" smtClean="0"/>
+              <a:t>the goal here is to impart my knowledge to you and listening to </a:t>
+            </a:r>
+            <a:r>
+              <a:rPr lang="en-US" dirty="0" smtClean="0"/>
+              <a:t>lectures is not </a:t>
+            </a:r>
+            <a:r>
+              <a:rPr lang="en-US" dirty="0" smtClean="0"/>
+              <a:t>doing</a:t>
             </a:r>
           </a:p>
           <a:p>
@@ -4426,46 +4460,23 @@
           <a:p>
             <a:r>
               <a:rPr lang="en-US" dirty="0" smtClean="0"/>
-              <a:t>The goal of this time: to give you the tools to overcome hurdles on your own</a:t>
-            </a:r>
-          </a:p>
-          <a:p>
-            <a:endParaRPr lang="en-US" dirty="0"/>
-          </a:p>
-          <a:p>
-            <a:r>
-              <a:rPr lang="en-US" dirty="0" smtClean="0"/>
-              <a:t>Generally, I'll talk/demo for a little while, then challenge you to write code yourself</a:t>
-            </a:r>
-          </a:p>
-          <a:p>
-            <a:endParaRPr lang="en-US" dirty="0"/>
-          </a:p>
-          <a:p>
-            <a:r>
-              <a:rPr lang="en-US" dirty="0"/>
-              <a:t>Because some people will finish </a:t>
-            </a:r>
-            <a:r>
-              <a:rPr lang="en-US" dirty="0" smtClean="0"/>
-              <a:t>challenges earlier </a:t>
-            </a:r>
-            <a:r>
-              <a:rPr lang="en-US" dirty="0"/>
-              <a:t>than others, I will often suggest self-test problems to test </a:t>
-            </a:r>
-            <a:r>
-              <a:rPr lang="en-US" dirty="0" smtClean="0"/>
-              <a:t>another aspect of the lecture in case you </a:t>
-            </a:r>
-            <a:r>
-              <a:rPr lang="en-US" dirty="0"/>
-              <a:t>find yourself </a:t>
-            </a:r>
-            <a:r>
-              <a:rPr lang="en-US" dirty="0" smtClean="0"/>
-              <a:t>waiting.  Questions and answers are in the handout</a:t>
-            </a:r>
+              <a:t>My goal: </a:t>
+            </a:r>
+            <a:r>
+              <a:rPr lang="en-US" dirty="0" smtClean="0"/>
+              <a:t>to give you the tools to overcome hurdles on your </a:t>
+            </a:r>
+            <a:r>
+              <a:rPr lang="en-US" dirty="0" smtClean="0"/>
+              <a:t>own, which will be a mix of guided doing, printed materials, and pointing to </a:t>
+            </a:r>
+            <a:r>
+              <a:rPr lang="en-US" smtClean="0"/>
+              <a:t>Stack Overflow</a:t>
+            </a:r>
+            <a:endParaRPr lang="en-US" dirty="0" smtClean="0"/>
+          </a:p>
+          <a:p>
             <a:endParaRPr lang="en-US" dirty="0"/>
           </a:p>
           <a:p>
@@ -4522,47 +4533,49 @@
         </p:nvSpPr>
         <p:spPr/>
         <p:txBody>
+          <a:bodyPr/>
+          <a:lstStyle/>
+          <a:p>
+            <a:r>
+              <a:rPr lang="en-US" dirty="0" smtClean="0"/>
+              <a:t>Process</a:t>
+            </a:r>
+            <a:endParaRPr lang="en-US" dirty="0"/>
+          </a:p>
+        </p:txBody>
+      </p:sp>
+      <p:sp>
+        <p:nvSpPr>
+          <p:cNvPr id="3" name="Content Placeholder 2"/>
+          <p:cNvSpPr>
+            <a:spLocks noGrp="1"/>
+          </p:cNvSpPr>
+          <p:nvPr>
+            <p:ph idx="1"/>
+          </p:nvPr>
+        </p:nvSpPr>
+        <p:spPr/>
+        <p:txBody>
           <a:bodyPr>
-            <a:normAutofit/>
+            <a:normAutofit lnSpcReduction="10000"/>
           </a:bodyPr>
           <a:lstStyle/>
           <a:p>
             <a:r>
-              <a:rPr lang="en-US" dirty="0" smtClean="0"/>
-              <a:t>Orientation</a:t>
-            </a:r>
+              <a:rPr lang="en-US" dirty="0"/>
+              <a:t>Generally, I'll talk/demo interactively for a little while, then challenge you to write some code yourself</a:t>
+            </a:r>
+          </a:p>
+          <a:p>
             <a:endParaRPr lang="en-US" dirty="0"/>
           </a:p>
-        </p:txBody>
-      </p:sp>
-      <p:sp>
-        <p:nvSpPr>
-          <p:cNvPr id="3" name="Content Placeholder 2"/>
-          <p:cNvSpPr>
-            <a:spLocks noGrp="1"/>
-          </p:cNvSpPr>
-          <p:nvPr>
-            <p:ph idx="1"/>
-          </p:nvPr>
-        </p:nvSpPr>
-        <p:spPr/>
-        <p:txBody>
-          <a:bodyPr/>
-          <a:lstStyle/>
-          <a:p>
-            <a:r>
-              <a:rPr lang="en-US" dirty="0" smtClean="0"/>
-              <a:t>Open WorkshopSession1.R from the file share</a:t>
-            </a:r>
-          </a:p>
-          <a:p>
-            <a:endParaRPr lang="en-US" dirty="0"/>
-          </a:p>
-          <a:p>
-            <a:r>
-              <a:rPr lang="en-US" dirty="0" smtClean="0"/>
-              <a:t>Let's switch to R for a bit here…</a:t>
-            </a:r>
+          <a:p>
+            <a:r>
+              <a:rPr lang="en-US" dirty="0"/>
+              <a:t>Because some people will finish challenges earlier than others, I will often suggest self-test problems to test another aspect of the lecture in case you find yourself waiting.  Self-test questions and answers are in the handout</a:t>
+            </a:r>
+          </a:p>
+          <a:p>
             <a:endParaRPr lang="en-US" dirty="0"/>
           </a:p>
         </p:txBody>
@@ -4570,20 +4583,13 @@
     </p:spTree>
     <p:extLst>
       <p:ext uri="{BB962C8B-B14F-4D97-AF65-F5344CB8AC3E}">
-        <p14:creationId xmlns:p14="http://schemas.microsoft.com/office/powerpoint/2010/main" val="36634223"/>
+        <p14:creationId xmlns:p14="http://schemas.microsoft.com/office/powerpoint/2010/main" val="184220676"/>
       </p:ext>
     </p:extLst>
   </p:cSld>
   <p:clrMapOvr>
     <a:masterClrMapping/>
   </p:clrMapOvr>
-  <p:timing>
-    <p:tnLst>
-      <p:par>
-        <p:cTn id="1" dur="indefinite" restart="never" nodeType="tmRoot"/>
-      </p:par>
-    </p:tnLst>
-  </p:timing>
 </p:sld>
 </file>
 
@@ -4616,75 +4622,46 @@
         </p:nvSpPr>
         <p:spPr/>
         <p:txBody>
+          <a:bodyPr>
+            <a:normAutofit/>
+          </a:bodyPr>
+          <a:lstStyle/>
+          <a:p>
+            <a:r>
+              <a:rPr lang="en-US" dirty="0" smtClean="0"/>
+              <a:t>Orientation</a:t>
+            </a:r>
+            <a:endParaRPr lang="en-US" dirty="0"/>
+          </a:p>
+        </p:txBody>
+      </p:sp>
+      <p:sp>
+        <p:nvSpPr>
+          <p:cNvPr id="3" name="Content Placeholder 2"/>
+          <p:cNvSpPr>
+            <a:spLocks noGrp="1"/>
+          </p:cNvSpPr>
+          <p:nvPr>
+            <p:ph idx="1"/>
+          </p:nvPr>
+        </p:nvSpPr>
+        <p:spPr/>
+        <p:txBody>
           <a:bodyPr/>
           <a:lstStyle/>
           <a:p>
             <a:r>
               <a:rPr lang="en-US" dirty="0" smtClean="0"/>
-              <a:t>Agenda</a:t>
-            </a:r>
+              <a:t>Open WorkshopSession1.R from the file share</a:t>
+            </a:r>
+          </a:p>
+          <a:p>
             <a:endParaRPr lang="en-US" dirty="0"/>
           </a:p>
-        </p:txBody>
-      </p:sp>
-      <p:sp>
-        <p:nvSpPr>
-          <p:cNvPr id="3" name="Content Placeholder 2"/>
-          <p:cNvSpPr>
-            <a:spLocks noGrp="1"/>
-          </p:cNvSpPr>
-          <p:nvPr>
-            <p:ph idx="1"/>
-          </p:nvPr>
-        </p:nvSpPr>
-        <p:spPr/>
-        <p:txBody>
-          <a:bodyPr/>
-          <a:lstStyle/>
-          <a:p>
-            <a:r>
-              <a:rPr lang="en-US" dirty="0" smtClean="0"/>
-              <a:t>Basic R </a:t>
-            </a:r>
-            <a:r>
-              <a:rPr lang="en-US" smtClean="0"/>
-              <a:t>object types</a:t>
-            </a:r>
-            <a:endParaRPr lang="en-US" dirty="0" smtClean="0"/>
-          </a:p>
-          <a:p>
-            <a:pPr lvl="1"/>
-            <a:r>
-              <a:rPr lang="en-US" dirty="0" smtClean="0"/>
-              <a:t>Vector</a:t>
-            </a:r>
-          </a:p>
-          <a:p>
-            <a:pPr lvl="1"/>
-            <a:r>
-              <a:rPr lang="en-US" dirty="0" smtClean="0"/>
-              <a:t>Matrix</a:t>
-            </a:r>
-          </a:p>
-          <a:p>
-            <a:pPr lvl="1"/>
-            <a:r>
-              <a:rPr lang="en-US" dirty="0" smtClean="0"/>
-              <a:t>Array</a:t>
-            </a:r>
-          </a:p>
-          <a:p>
-            <a:pPr lvl="1"/>
-            <a:r>
-              <a:rPr lang="en-US" dirty="0" smtClean="0"/>
-              <a:t>List</a:t>
-            </a:r>
-          </a:p>
-          <a:p>
-            <a:pPr lvl="1"/>
-            <a:r>
-              <a:rPr lang="en-US" dirty="0" smtClean="0"/>
-              <a:t>Data Frame</a:t>
+          <a:p>
+            <a:r>
+              <a:rPr lang="en-US" dirty="0" smtClean="0"/>
+              <a:t>Let's switch to R for a bit here…</a:t>
             </a:r>
             <a:endParaRPr lang="en-US" dirty="0"/>
           </a:p>
@@ -4693,13 +4670,20 @@
     </p:spTree>
     <p:extLst>
       <p:ext uri="{BB962C8B-B14F-4D97-AF65-F5344CB8AC3E}">
-        <p14:creationId xmlns:p14="http://schemas.microsoft.com/office/powerpoint/2010/main" val="1844206997"/>
+        <p14:creationId xmlns:p14="http://schemas.microsoft.com/office/powerpoint/2010/main" val="36634223"/>
       </p:ext>
     </p:extLst>
   </p:cSld>
   <p:clrMapOvr>
     <a:masterClrMapping/>
   </p:clrMapOvr>
+  <p:timing>
+    <p:tnLst>
+      <p:par>
+        <p:cTn id="1" dur="indefinite" restart="never" nodeType="tmRoot"/>
+      </p:par>
+    </p:tnLst>
+  </p:timing>
 </p:sld>
 </file>
 
@@ -8222,11 +8206,7 @@
           <a:p>
             <a:r>
               <a:rPr lang="en-US" dirty="0" smtClean="0"/>
-              <a:t>More </a:t>
-            </a:r>
-            <a:r>
-              <a:rPr lang="en-US" dirty="0" smtClean="0"/>
-              <a:t>building blocks</a:t>
+              <a:t>More building blocks</a:t>
             </a:r>
             <a:endParaRPr lang="en-US" dirty="0"/>
           </a:p>
@@ -8256,15 +8236,7 @@
           <a:p>
             <a:r>
               <a:rPr lang="en-US" dirty="0" smtClean="0"/>
-              <a:t>Array: A 3- (or </a:t>
-            </a:r>
-            <a:r>
-              <a:rPr lang="en-US" dirty="0" smtClean="0"/>
-              <a:t>more-) </a:t>
-            </a:r>
-            <a:r>
-              <a:rPr lang="en-US" dirty="0" smtClean="0"/>
-              <a:t>dimensional collection of like elements</a:t>
+              <a:t>Array: A 3- (or more-) dimensional collection of like elements</a:t>
             </a:r>
           </a:p>
           <a:p>
@@ -9008,13 +8980,8 @@
           <a:p>
             <a:r>
               <a:rPr lang="en-US" dirty="0" smtClean="0"/>
-              <a:t>Function for creating arrays: </a:t>
-            </a:r>
-            <a:r>
-              <a:rPr lang="en-US" dirty="0" smtClean="0"/>
-              <a:t>array()</a:t>
-            </a:r>
-            <a:endParaRPr lang="en-US" dirty="0" smtClean="0"/>
+              <a:t>Function for creating arrays: array()</a:t>
+            </a:r>
           </a:p>
           <a:p>
             <a:endParaRPr lang="en-US" dirty="0" smtClean="0"/>
@@ -9026,11 +8993,7 @@
             </a:r>
             <a:r>
               <a:rPr lang="en-US" dirty="0" smtClean="0"/>
-              <a:t> &lt;- array(1:12 dim=c(2, 3, 2</a:t>
-            </a:r>
-            <a:r>
-              <a:rPr lang="en-US" dirty="0" smtClean="0"/>
-              <a:t>))</a:t>
+              <a:t> &lt;- array(1:12 dim=c(2, 3, 2))</a:t>
             </a:r>
             <a:endParaRPr lang="en-US" dirty="0"/>
           </a:p>
@@ -9889,17 +9852,12 @@
               <a:rPr lang="en-US" dirty="0" smtClean="0"/>
               <a:t>Dim specifies dimensions</a:t>
             </a:r>
-            <a:endParaRPr lang="en-US" dirty="0" smtClean="0"/>
           </a:p>
           <a:p>
             <a:pPr lvl="1"/>
             <a:r>
               <a:rPr lang="en-US" dirty="0" smtClean="0"/>
-              <a:t>array(1:12, dim=c(3,2,2</a:t>
-            </a:r>
-            <a:r>
-              <a:rPr lang="en-US" dirty="0" smtClean="0"/>
-              <a:t>))</a:t>
+              <a:t>array(1:12, dim=c(3,2,2))</a:t>
             </a:r>
           </a:p>
           <a:p>
@@ -10205,11 +10163,7 @@
           <a:p>
             <a:r>
               <a:rPr lang="en-US" dirty="0"/>
-              <a:t>(Bonus: self-test # </a:t>
-            </a:r>
-            <a:r>
-              <a:rPr lang="en-US" dirty="0"/>
-              <a:t>3</a:t>
+              <a:t>(Bonus: self-test # 3</a:t>
             </a:r>
             <a:r>
               <a:rPr lang="en-US" dirty="0" smtClean="0"/>
@@ -15699,13 +15653,8 @@
           <a:p>
             <a:r>
               <a:rPr lang="en-US" dirty="0" smtClean="0"/>
-              <a:t>Usually, load from CSV or subset from data frame loaded from CSV </a:t>
-            </a:r>
-            <a:r>
-              <a:rPr lang="en-US" dirty="0" smtClean="0"/>
-              <a:t>(loading data coming up…)</a:t>
-            </a:r>
-            <a:endParaRPr lang="en-US" dirty="0" smtClean="0"/>
+              <a:t>Usually, load from CSV or subset from data frame loaded from CSV (loading data coming up…)</a:t>
+            </a:r>
           </a:p>
           <a:p>
             <a:endParaRPr lang="en-US" dirty="0" smtClean="0"/>
@@ -16248,11 +16197,7 @@
           <a:p>
             <a:r>
               <a:rPr lang="en-US" dirty="0" smtClean="0"/>
-              <a:t>We'll go into more detail on data frames </a:t>
-            </a:r>
-            <a:r>
-              <a:rPr lang="en-US" dirty="0" smtClean="0"/>
-              <a:t>after the break</a:t>
+              <a:t>We'll go into more detail on data frames after the break</a:t>
             </a:r>
             <a:endParaRPr lang="en-US" dirty="0"/>
           </a:p>
@@ -16463,11 +16408,7 @@
             </a:br>
             <a:r>
               <a:rPr lang="en-US" dirty="0" smtClean="0"/>
-              <a:t>Basic Object </a:t>
-            </a:r>
-            <a:r>
-              <a:rPr lang="en-US" dirty="0" smtClean="0"/>
-              <a:t>Types for Epidemiologists</a:t>
+              <a:t>Basic Object Types for Epidemiologists</a:t>
             </a:r>
             <a:endParaRPr lang="en-US" dirty="0"/>
           </a:p>
@@ -16496,36 +16437,19 @@
           <a:p>
             <a:r>
               <a:rPr lang="en-US" dirty="0" smtClean="0"/>
-              <a:t>Matrix</a:t>
-            </a:r>
-            <a:r>
-              <a:rPr lang="en-US" dirty="0" smtClean="0"/>
-              <a:t>: contingency (2x2) tables</a:t>
-            </a:r>
-          </a:p>
-          <a:p>
-            <a:r>
-              <a:rPr lang="en-US" dirty="0" smtClean="0"/>
-              <a:t>Arrays: stratified </a:t>
-            </a:r>
-            <a:r>
-              <a:rPr lang="en-US" dirty="0" smtClean="0"/>
-              <a:t>analysis results</a:t>
-            </a:r>
-            <a:endParaRPr lang="en-US" dirty="0" smtClean="0"/>
-          </a:p>
-          <a:p>
-            <a:r>
-              <a:rPr lang="en-US" dirty="0" smtClean="0"/>
-              <a:t>Data Frames: </a:t>
-            </a:r>
-            <a:r>
-              <a:rPr lang="en-US" dirty="0" smtClean="0"/>
-              <a:t>observations </a:t>
-            </a:r>
-            <a:r>
-              <a:rPr lang="en-US" dirty="0" smtClean="0"/>
-              <a:t>and variables</a:t>
+              <a:t>Matrix: contingency (2x2) tables</a:t>
+            </a:r>
+          </a:p>
+          <a:p>
+            <a:r>
+              <a:rPr lang="en-US" dirty="0" smtClean="0"/>
+              <a:t>Arrays: stratified analysis results</a:t>
+            </a:r>
+          </a:p>
+          <a:p>
+            <a:r>
+              <a:rPr lang="en-US" dirty="0" smtClean="0"/>
+              <a:t>Data Frames: observations and variables</a:t>
             </a:r>
           </a:p>
           <a:p>

--- a/RWorkshopPart1-BasicObjects.pptx
+++ b/RWorkshopPart1-BasicObjects.pptx
@@ -247,7 +247,7 @@
           <a:p>
             <a:fld id="{538792E7-FD02-444D-98EB-904287DD5D64}" type="datetimeFigureOut">
               <a:rPr lang="en-US" smtClean="0"/>
-              <a:t>6/14/18</a:t>
+              <a:t>6/15/18</a:t>
             </a:fld>
             <a:endParaRPr lang="en-US"/>
           </a:p>
@@ -413,7 +413,7 @@
           <a:p>
             <a:fld id="{9D559F19-48A4-4320-AEB0-F8746EB4B46C}" type="datetimeFigureOut">
               <a:rPr lang="en-US" smtClean="0"/>
-              <a:t>6/14/18</a:t>
+              <a:t>6/15/18</a:t>
             </a:fld>
             <a:endParaRPr lang="en-US"/>
           </a:p>
@@ -863,7 +863,7 @@
           <a:p>
             <a:fld id="{B85D0F99-2B73-D44A-BFD7-568E87432832}" type="datetime1">
               <a:rPr lang="en-US" smtClean="0"/>
-              <a:t>6/14/18</a:t>
+              <a:t>6/15/18</a:t>
             </a:fld>
             <a:endParaRPr lang="en-US"/>
           </a:p>
@@ -1033,7 +1033,7 @@
           <a:p>
             <a:fld id="{08D84F97-D933-494A-8066-987F64E94EB0}" type="datetime1">
               <a:rPr lang="en-US" smtClean="0"/>
-              <a:t>6/14/18</a:t>
+              <a:t>6/15/18</a:t>
             </a:fld>
             <a:endParaRPr lang="en-US"/>
           </a:p>
@@ -1213,7 +1213,7 @@
           <a:p>
             <a:fld id="{43D4ED65-347A-544C-B252-FFB61369C75C}" type="datetime1">
               <a:rPr lang="en-US" smtClean="0"/>
-              <a:t>6/14/18</a:t>
+              <a:t>6/15/18</a:t>
             </a:fld>
             <a:endParaRPr lang="en-US"/>
           </a:p>
@@ -1383,7 +1383,7 @@
           <a:p>
             <a:fld id="{7580FBDC-27FE-2246-A6BD-27E29FC41690}" type="datetime1">
               <a:rPr lang="en-US" smtClean="0"/>
-              <a:t>6/14/18</a:t>
+              <a:t>6/15/18</a:t>
             </a:fld>
             <a:endParaRPr lang="en-US"/>
           </a:p>
@@ -1629,7 +1629,7 @@
           <a:p>
             <a:fld id="{A3085202-158B-1648-823E-AE57EB968243}" type="datetime1">
               <a:rPr lang="en-US" smtClean="0"/>
-              <a:t>6/14/18</a:t>
+              <a:t>6/15/18</a:t>
             </a:fld>
             <a:endParaRPr lang="en-US"/>
           </a:p>
@@ -1917,7 +1917,7 @@
           <a:p>
             <a:fld id="{26266243-15FF-1E48-B623-320FA07824B2}" type="datetime1">
               <a:rPr lang="en-US" smtClean="0"/>
-              <a:t>6/14/18</a:t>
+              <a:t>6/15/18</a:t>
             </a:fld>
             <a:endParaRPr lang="en-US"/>
           </a:p>
@@ -2339,7 +2339,7 @@
           <a:p>
             <a:fld id="{011E066B-8219-F64F-B8C2-53A3B89B4A85}" type="datetime1">
               <a:rPr lang="en-US" smtClean="0"/>
-              <a:t>6/14/18</a:t>
+              <a:t>6/15/18</a:t>
             </a:fld>
             <a:endParaRPr lang="en-US"/>
           </a:p>
@@ -2457,7 +2457,7 @@
           <a:p>
             <a:fld id="{A647D7BC-6ED1-5643-8901-5A74D745B5F6}" type="datetime1">
               <a:rPr lang="en-US" smtClean="0"/>
-              <a:t>6/14/18</a:t>
+              <a:t>6/15/18</a:t>
             </a:fld>
             <a:endParaRPr lang="en-US"/>
           </a:p>
@@ -2552,7 +2552,7 @@
           <a:p>
             <a:fld id="{9D749149-7531-A94B-BF64-9F90465D006E}" type="datetime1">
               <a:rPr lang="en-US" smtClean="0"/>
-              <a:t>6/14/18</a:t>
+              <a:t>6/15/18</a:t>
             </a:fld>
             <a:endParaRPr lang="en-US"/>
           </a:p>
@@ -2829,7 +2829,7 @@
           <a:p>
             <a:fld id="{3DCADEC6-74E3-5A45-956D-36673A0B0B6F}" type="datetime1">
               <a:rPr lang="en-US" smtClean="0"/>
-              <a:t>6/14/18</a:t>
+              <a:t>6/15/18</a:t>
             </a:fld>
             <a:endParaRPr lang="en-US"/>
           </a:p>
@@ -3082,7 +3082,7 @@
           <a:p>
             <a:fld id="{E8837371-C5DD-DB40-BAF9-B253BC12B671}" type="datetime1">
               <a:rPr lang="en-US" smtClean="0"/>
-              <a:t>6/14/18</a:t>
+              <a:t>6/15/18</a:t>
             </a:fld>
             <a:endParaRPr lang="en-US"/>
           </a:p>
@@ -3295,7 +3295,7 @@
           <a:p>
             <a:fld id="{61AE1620-0FA7-334D-A30B-254236132EE6}" type="datetime1">
               <a:rPr lang="en-US" smtClean="0"/>
-              <a:t>6/14/18</a:t>
+              <a:t>6/15/18</a:t>
             </a:fld>
             <a:endParaRPr lang="en-US"/>
           </a:p>
@@ -3725,11 +3725,7 @@
           <a:p>
             <a:r>
               <a:rPr lang="en-US" dirty="0" smtClean="0"/>
-              <a:t>SER </a:t>
-            </a:r>
-            <a:r>
-              <a:rPr lang="en-US" dirty="0" smtClean="0"/>
-              <a:t>2018</a:t>
+              <a:t>SER 2018</a:t>
             </a:r>
             <a:endParaRPr lang="en-US" dirty="0"/>
           </a:p>
@@ -3743,8 +3739,8 @@
         </p:nvSpPr>
         <p:spPr>
           <a:xfrm>
-            <a:off x="304800" y="304800"/>
-            <a:ext cx="5257800" cy="646331"/>
+            <a:off x="1524000" y="6019800"/>
+            <a:ext cx="6172200" cy="646331"/>
           </a:xfrm>
           <a:prstGeom prst="rect">
             <a:avLst/>
@@ -3762,16 +3758,12 @@
               <a:t>While you’re waiting, download the files </a:t>
             </a:r>
             <a:r>
-              <a:rPr lang="en-US" dirty="0"/>
-              <a:t>from </a:t>
-            </a:r>
-            <a:r>
-              <a:rPr lang="en-US" dirty="0" err="1"/>
-              <a:t>GitHub</a:t>
-            </a:r>
-            <a:r>
-              <a:rPr lang="en-US" dirty="0" smtClean="0"/>
-              <a:t>: https</a:t>
+              <a:rPr lang="en-US" dirty="0" smtClean="0"/>
+              <a:t>you’re going to need: </a:t>
+            </a:r>
+            <a:r>
+              <a:rPr lang="en-US" dirty="0" smtClean="0"/>
+              <a:t>https</a:t>
             </a:r>
             <a:r>
               <a:rPr lang="en-US" dirty="0"/>
@@ -3816,6 +3808,114 @@
           </a:p>
         </p:txBody>
       </p:sp>
+      <p:pic>
+        <p:nvPicPr>
+          <p:cNvPr id="6" name="Picture 2"/>
+          <p:cNvPicPr>
+            <a:picLocks noChangeAspect="1" noChangeArrowheads="1"/>
+          </p:cNvPicPr>
+          <p:nvPr/>
+        </p:nvPicPr>
+        <p:blipFill>
+          <a:blip r:embed="rId2">
+            <a:extLst>
+              <a:ext uri="{28A0092B-C50C-407E-A947-70E740481C1C}">
+                <a14:useLocalDpi xmlns:a14="http://schemas.microsoft.com/office/drawing/2010/main" val="0"/>
+              </a:ext>
+            </a:extLst>
+          </a:blip>
+          <a:srcRect/>
+          <a:stretch>
+            <a:fillRect/>
+          </a:stretch>
+        </p:blipFill>
+        <p:spPr bwMode="auto">
+          <a:xfrm>
+            <a:off x="685800" y="381000"/>
+            <a:ext cx="2066925" cy="752475"/>
+          </a:xfrm>
+          <a:prstGeom prst="rect">
+            <a:avLst/>
+          </a:prstGeom>
+          <a:noFill/>
+          <a:ln>
+            <a:noFill/>
+          </a:ln>
+          <a:extLst>
+            <a:ext uri="{909E8E84-426E-40dd-AFC4-6F175D3DCCD1}">
+              <a14:hiddenFill xmlns:a14="http://schemas.microsoft.com/office/drawing/2010/main">
+                <a:solidFill>
+                  <a:schemeClr val="accent1"/>
+                </a:solidFill>
+              </a14:hiddenFill>
+            </a:ext>
+            <a:ext uri="{91240B29-F687-4f45-9708-019B960494DF}">
+              <a14:hiddenLine xmlns:a14="http://schemas.microsoft.com/office/drawing/2010/main" w="9525">
+                <a:solidFill>
+                  <a:schemeClr val="tx1"/>
+                </a:solidFill>
+                <a:miter lim="800000"/>
+                <a:headEnd/>
+                <a:tailEnd/>
+              </a14:hiddenLine>
+            </a:ext>
+          </a:extLst>
+        </p:spPr>
+      </p:pic>
+      <p:pic>
+        <p:nvPicPr>
+          <p:cNvPr id="7" name="Picture 5"/>
+          <p:cNvPicPr>
+            <a:picLocks noChangeAspect="1" noChangeArrowheads="1"/>
+          </p:cNvPicPr>
+          <p:nvPr/>
+        </p:nvPicPr>
+        <p:blipFill>
+          <a:blip r:embed="rId3">
+            <a:extLst>
+              <a:ext uri="{28A0092B-C50C-407E-A947-70E740481C1C}">
+                <a14:useLocalDpi xmlns:a14="http://schemas.microsoft.com/office/drawing/2010/main" val="0"/>
+              </a:ext>
+            </a:extLst>
+          </a:blip>
+          <a:srcRect/>
+          <a:stretch>
+            <a:fillRect/>
+          </a:stretch>
+        </p:blipFill>
+        <p:spPr bwMode="auto">
+          <a:xfrm>
+            <a:off x="6096000" y="228599"/>
+            <a:ext cx="2781300" cy="1057275"/>
+          </a:xfrm>
+          <a:prstGeom prst="rect">
+            <a:avLst/>
+          </a:prstGeom>
+          <a:noFill/>
+          <a:ln>
+            <a:noFill/>
+          </a:ln>
+          <a:extLst>
+            <a:ext uri="{909E8E84-426E-40dd-AFC4-6F175D3DCCD1}">
+              <a14:hiddenFill xmlns:a14="http://schemas.microsoft.com/office/drawing/2010/main">
+                <a:solidFill>
+                  <a:schemeClr val="accent1"/>
+                </a:solidFill>
+              </a14:hiddenFill>
+            </a:ext>
+            <a:ext uri="{91240B29-F687-4f45-9708-019B960494DF}">
+              <a14:hiddenLine xmlns:a14="http://schemas.microsoft.com/office/drawing/2010/main" w="9525">
+                <a:solidFill>
+                  <a:schemeClr val="tx1"/>
+                </a:solidFill>
+                <a:miter lim="800000"/>
+                <a:headEnd/>
+                <a:tailEnd/>
+              </a14:hiddenLine>
+            </a:ext>
+          </a:extLst>
+        </p:spPr>
+      </p:pic>
     </p:spTree>
     <p:extLst>
       <p:ext uri="{BB962C8B-B14F-4D97-AF65-F5344CB8AC3E}">
@@ -4046,7 +4146,6 @@
               <a:rPr lang="en-US" dirty="0"/>
               <a:t> </a:t>
             </a:r>
-            <a:endParaRPr lang="en-US" dirty="0"/>
           </a:p>
         </p:txBody>
       </p:sp>
@@ -4222,7 +4321,6 @@
               <a:rPr lang="en-US" dirty="0"/>
               <a:t> </a:t>
             </a:r>
-            <a:endParaRPr lang="en-US" dirty="0"/>
           </a:p>
         </p:txBody>
       </p:sp>
@@ -4482,7 +4580,6 @@
               <a:rPr lang="en-US" dirty="0"/>
               <a:t> </a:t>
             </a:r>
-            <a:endParaRPr lang="en-US" dirty="0"/>
           </a:p>
         </p:txBody>
       </p:sp>
@@ -4711,7 +4808,6 @@
               <a:rPr lang="en-US" dirty="0"/>
               <a:t> </a:t>
             </a:r>
-            <a:endParaRPr lang="en-US" dirty="0"/>
           </a:p>
         </p:txBody>
       </p:sp>
@@ -5019,7 +5115,6 @@
               <a:rPr lang="en-US" dirty="0"/>
               <a:t> </a:t>
             </a:r>
-            <a:endParaRPr lang="en-US" dirty="0"/>
           </a:p>
         </p:txBody>
       </p:sp>
@@ -5372,7 +5467,6 @@
               <a:rPr lang="en-US" dirty="0"/>
               <a:t> </a:t>
             </a:r>
-            <a:endParaRPr lang="en-US" dirty="0"/>
           </a:p>
         </p:txBody>
       </p:sp>
@@ -6055,7 +6149,6 @@
               <a:rPr lang="en-US" dirty="0"/>
               <a:t> </a:t>
             </a:r>
-            <a:endParaRPr lang="en-US" dirty="0"/>
           </a:p>
         </p:txBody>
       </p:sp>
@@ -6303,7 +6396,6 @@
               <a:rPr lang="en-US" dirty="0"/>
               <a:t> </a:t>
             </a:r>
-            <a:endParaRPr lang="en-US" dirty="0"/>
           </a:p>
         </p:txBody>
       </p:sp>
@@ -6517,7 +6609,6 @@
               <a:rPr lang="en-US" dirty="0"/>
               <a:t> </a:t>
             </a:r>
-            <a:endParaRPr lang="en-US" dirty="0"/>
           </a:p>
         </p:txBody>
       </p:sp>
@@ -6811,7 +6902,6 @@
               <a:rPr lang="en-US" dirty="0"/>
               <a:t> </a:t>
             </a:r>
-            <a:endParaRPr lang="en-US" dirty="0"/>
           </a:p>
         </p:txBody>
       </p:sp>
@@ -6917,11 +7007,7 @@
           <a:p>
             <a:r>
               <a:rPr lang="en-US" dirty="0" smtClean="0"/>
-              <a:t>Initial learning curve is </a:t>
-            </a:r>
-            <a:r>
-              <a:rPr lang="en-US" dirty="0" smtClean="0"/>
-              <a:t>steep</a:t>
+              <a:t>Initial learning curve is steep</a:t>
             </a:r>
           </a:p>
           <a:p>
@@ -6930,11 +7016,7 @@
           <a:p>
             <a:r>
               <a:rPr lang="en-US" dirty="0" smtClean="0"/>
-              <a:t>R comes with no warranty (if it runs, it can be on CRAN</a:t>
-            </a:r>
-            <a:r>
-              <a:rPr lang="en-US" dirty="0" smtClean="0"/>
-              <a:t>)</a:t>
+              <a:t>R comes with no warranty (if it runs, it can be on CRAN)</a:t>
             </a:r>
           </a:p>
           <a:p>
@@ -6945,7 +7027,6 @@
               <a:rPr lang="en-US" dirty="0" smtClean="0"/>
               <a:t>Error messages can be hard to figure out (particularly before you have intuition for what it’s doing)</a:t>
             </a:r>
-            <a:endParaRPr lang="en-US" dirty="0" smtClean="0"/>
           </a:p>
         </p:txBody>
       </p:sp>
@@ -6986,7 +7067,6 @@
               <a:rPr lang="en-US" dirty="0"/>
               <a:t> </a:t>
             </a:r>
-            <a:endParaRPr lang="en-US" dirty="0"/>
           </a:p>
         </p:txBody>
       </p:sp>
@@ -7150,11 +7230,7 @@
             </a:r>
             <a:r>
               <a:rPr lang="en-US" dirty="0" smtClean="0"/>
-              <a:t>"</a:t>
-            </a:r>
-            <a:r>
-              <a:rPr lang="en-US" dirty="0" smtClean="0"/>
-              <a:t>, </a:t>
+              <a:t>", </a:t>
             </a:r>
             <a:r>
               <a:rPr lang="en-US" dirty="0"/>
@@ -7279,7 +7355,6 @@
               <a:rPr lang="en-US" dirty="0"/>
               <a:t> </a:t>
             </a:r>
-            <a:endParaRPr lang="en-US" dirty="0"/>
           </a:p>
         </p:txBody>
       </p:sp>
@@ -8284,7 +8359,6 @@
               <a:rPr lang="en-US" dirty="0"/>
               <a:t> </a:t>
             </a:r>
-            <a:endParaRPr lang="en-US" dirty="0"/>
           </a:p>
         </p:txBody>
       </p:sp>
@@ -8488,7 +8562,6 @@
               <a:rPr lang="en-US" dirty="0"/>
               <a:t> </a:t>
             </a:r>
-            <a:endParaRPr lang="en-US" dirty="0"/>
           </a:p>
         </p:txBody>
       </p:sp>
@@ -8819,7 +8892,6 @@
               <a:rPr lang="en-US" dirty="0"/>
               <a:t> </a:t>
             </a:r>
-            <a:endParaRPr lang="en-US" dirty="0"/>
           </a:p>
         </p:txBody>
       </p:sp>
@@ -9078,7 +9150,6 @@
               <a:rPr lang="en-US" dirty="0"/>
               <a:t> </a:t>
             </a:r>
-            <a:endParaRPr lang="en-US" dirty="0"/>
           </a:p>
         </p:txBody>
       </p:sp>
@@ -9221,7 +9292,6 @@
               <a:rPr lang="en-US" dirty="0"/>
               <a:t> </a:t>
             </a:r>
-            <a:endParaRPr lang="en-US" dirty="0"/>
           </a:p>
         </p:txBody>
       </p:sp>
@@ -9432,7 +9502,6 @@
               <a:rPr lang="en-US" dirty="0"/>
               <a:t> </a:t>
             </a:r>
-            <a:endParaRPr lang="en-US" dirty="0"/>
           </a:p>
         </p:txBody>
       </p:sp>
@@ -9735,11 +9804,7 @@
           <a:p>
             <a:r>
               <a:rPr lang="en-US" dirty="0" smtClean="0"/>
-              <a:t>Atomic types, before </a:t>
-            </a:r>
-            <a:r>
-              <a:rPr lang="en-US" dirty="0" smtClean="0"/>
-              <a:t>the break</a:t>
+              <a:t>Atomic types, before the break</a:t>
             </a:r>
             <a:endParaRPr lang="en-US" dirty="0"/>
           </a:p>
@@ -9769,11 +9834,7 @@
           <a:p>
             <a:r>
               <a:rPr lang="en-US" dirty="0" smtClean="0"/>
-              <a:t>Coming </a:t>
-            </a:r>
-            <a:r>
-              <a:rPr lang="en-US" dirty="0" smtClean="0"/>
-              <a:t>soon, but first let’s look at atomic types a little more…</a:t>
+              <a:t>Coming soon, but first let’s look at atomic types a little more…</a:t>
             </a:r>
             <a:endParaRPr lang="en-US" dirty="0"/>
           </a:p>
@@ -9839,7 +9900,6 @@
               <a:rPr lang="en-US" dirty="0"/>
               <a:t> </a:t>
             </a:r>
-            <a:endParaRPr lang="en-US" dirty="0"/>
           </a:p>
         </p:txBody>
       </p:sp>
@@ -10087,7 +10147,6 @@
               <a:rPr lang="en-US" dirty="0"/>
               <a:t> </a:t>
             </a:r>
-            <a:endParaRPr lang="en-US" dirty="0"/>
           </a:p>
         </p:txBody>
       </p:sp>
@@ -10366,7 +10425,6 @@
               <a:rPr lang="en-US" dirty="0"/>
               <a:t> </a:t>
             </a:r>
-            <a:endParaRPr lang="en-US" dirty="0"/>
           </a:p>
         </p:txBody>
       </p:sp>
@@ -10424,11 +10482,7 @@
           <a:p>
             <a:r>
               <a:rPr lang="en-US" dirty="0" smtClean="0"/>
-              <a:t>Proces</a:t>
-            </a:r>
-            <a:r>
-              <a:rPr lang="en-US" dirty="0" smtClean="0"/>
-              <a:t>s</a:t>
+              <a:t>Process</a:t>
             </a:r>
             <a:endParaRPr lang="en-US" dirty="0"/>
           </a:p>
@@ -10520,7 +10574,6 @@
               <a:rPr lang="en-US" dirty="0"/>
               <a:t> </a:t>
             </a:r>
-            <a:endParaRPr lang="en-US" dirty="0"/>
           </a:p>
         </p:txBody>
       </p:sp>
@@ -12915,7 +12968,6 @@
               <a:rPr lang="en-US" dirty="0"/>
               <a:t> </a:t>
             </a:r>
-            <a:endParaRPr lang="en-US" dirty="0"/>
           </a:p>
         </p:txBody>
       </p:sp>
@@ -13340,45 +13392,22 @@
           <a:p>
             <a:r>
               <a:rPr lang="en-US" dirty="0" smtClean="0"/>
-              <a:t>Lists are for keeping a bunch of </a:t>
-            </a:r>
-            <a:r>
-              <a:rPr lang="en-US" dirty="0" smtClean="0"/>
-              <a:t>stuff together </a:t>
-            </a:r>
-            <a:r>
-              <a:rPr lang="en-US" dirty="0" smtClean="0"/>
-              <a:t>in the same object.  </a:t>
-            </a:r>
-            <a:endParaRPr lang="en-US" dirty="0" smtClean="0"/>
+              <a:t>Lists are for keeping a bunch of stuff together in the same object.  </a:t>
+            </a:r>
           </a:p>
           <a:p>
             <a:pPr lvl="1"/>
             <a:r>
               <a:rPr lang="en-US" dirty="0" smtClean="0"/>
-              <a:t>For </a:t>
-            </a:r>
-            <a:r>
-              <a:rPr lang="en-US" dirty="0" smtClean="0"/>
-              <a:t>example, results of a chi-square test, where you </a:t>
-            </a:r>
-            <a:r>
-              <a:rPr lang="en-US" dirty="0" smtClean="0"/>
-              <a:t>want data and meta-data:</a:t>
-            </a:r>
-            <a:endParaRPr lang="en-US" dirty="0" smtClean="0"/>
+              <a:t>For example, results of a chi-square test, where you want data and meta-data:</a:t>
+            </a:r>
           </a:p>
           <a:p>
             <a:pPr lvl="2"/>
             <a:r>
               <a:rPr lang="en-US" dirty="0" smtClean="0"/>
-              <a:t>Chi-square </a:t>
-            </a:r>
-            <a:r>
-              <a:rPr lang="en-US" dirty="0" smtClean="0"/>
-              <a:t>score</a:t>
-            </a:r>
-            <a:endParaRPr lang="en-US" dirty="0" smtClean="0"/>
+              <a:t>Chi-square score</a:t>
+            </a:r>
           </a:p>
           <a:p>
             <a:pPr lvl="2"/>
@@ -15266,30 +15295,14 @@
           <a:p>
             <a:r>
               <a:rPr lang="en-US" dirty="0" smtClean="0"/>
-              <a:t>Usually, load from </a:t>
-            </a:r>
-            <a:r>
-              <a:rPr lang="en-US" dirty="0" smtClean="0"/>
-              <a:t>a file (e.g. a CSV) or </a:t>
-            </a:r>
-            <a:r>
-              <a:rPr lang="en-US" dirty="0" smtClean="0"/>
-              <a:t>subset from data frame loaded from </a:t>
-            </a:r>
-            <a:r>
-              <a:rPr lang="en-US" dirty="0" smtClean="0"/>
-              <a:t>a file</a:t>
+              <a:t>Usually, load from a file (e.g. a CSV) or subset from data frame loaded from a file</a:t>
             </a:r>
           </a:p>
           <a:p>
             <a:pPr lvl="1"/>
             <a:r>
               <a:rPr lang="en-US" dirty="0" smtClean="0"/>
-              <a:t>(How to load data? coming up next…</a:t>
-            </a:r>
-            <a:r>
-              <a:rPr lang="en-US" dirty="0" smtClean="0"/>
-              <a:t>)</a:t>
+              <a:t>(How to load data? coming up next…)</a:t>
             </a:r>
           </a:p>
           <a:p>
@@ -15468,15 +15481,7 @@
           <a:p>
             <a:r>
               <a:rPr lang="en-US" dirty="0" smtClean="0"/>
-              <a:t>Open </a:t>
-            </a:r>
-            <a:r>
-              <a:rPr lang="en-US" dirty="0" smtClean="0"/>
-              <a:t>WorkshopPart1-Basics.R </a:t>
-            </a:r>
-            <a:r>
-              <a:rPr lang="en-US" dirty="0" smtClean="0"/>
-              <a:t>from the file share</a:t>
+              <a:t>Open WorkshopPart1-Basics.R from the file share</a:t>
             </a:r>
           </a:p>
           <a:p>
@@ -15485,15 +15490,7 @@
           <a:p>
             <a:r>
               <a:rPr lang="en-US" dirty="0" smtClean="0"/>
-              <a:t>We’ll switch </a:t>
-            </a:r>
-            <a:r>
-              <a:rPr lang="en-US" dirty="0" smtClean="0"/>
-              <a:t>to R for a bit </a:t>
-            </a:r>
-            <a:r>
-              <a:rPr lang="en-US" dirty="0" smtClean="0"/>
-              <a:t>here and walk through a basic data analysis</a:t>
+              <a:t>We’ll switch to R for a bit here and walk through a basic data analysis</a:t>
             </a:r>
           </a:p>
           <a:p>
@@ -15545,7 +15542,6 @@
               <a:rPr lang="en-US" dirty="0"/>
               <a:t> </a:t>
             </a:r>
-            <a:endParaRPr lang="en-US" dirty="0"/>
           </a:p>
         </p:txBody>
       </p:sp>
@@ -16103,19 +16099,7 @@
           <a:p>
             <a:r>
               <a:rPr lang="en-US" dirty="0" smtClean="0"/>
-              <a:t>Summary: </a:t>
-            </a:r>
-            <a:r>
-              <a:rPr lang="en-US" dirty="0" smtClean="0"/>
-              <a:t>Basic </a:t>
-            </a:r>
-            <a:r>
-              <a:rPr lang="en-US" dirty="0" smtClean="0"/>
-              <a:t>Object </a:t>
-            </a:r>
-            <a:r>
-              <a:rPr lang="en-US" dirty="0" smtClean="0"/>
-              <a:t>Types</a:t>
+              <a:t>Summary: Basic Object Types</a:t>
             </a:r>
             <a:endParaRPr lang="en-US" dirty="0"/>
           </a:p>
@@ -16144,11 +16128,7 @@
           <a:p>
             <a:r>
               <a:rPr lang="en-US" dirty="0" smtClean="0"/>
-              <a:t>Vectors</a:t>
-            </a:r>
-            <a:r>
-              <a:rPr lang="en-US" dirty="0" smtClean="0"/>
-              <a:t>: observations of a single variable</a:t>
+              <a:t>Vectors: observations of a single variable</a:t>
             </a:r>
           </a:p>
           <a:p>
@@ -16324,7 +16304,6 @@
               <a:rPr lang="en-US" dirty="0" smtClean="0"/>
               <a:t>“Cross-tabulation in R”</a:t>
             </a:r>
-            <a:endParaRPr lang="en-US" dirty="0" smtClean="0"/>
           </a:p>
         </p:txBody>
       </p:sp>
@@ -16365,7 +16344,6 @@
               <a:rPr lang="en-US" dirty="0"/>
               <a:t> </a:t>
             </a:r>
-            <a:endParaRPr lang="en-US" dirty="0"/>
           </a:p>
         </p:txBody>
       </p:sp>
@@ -16510,7 +16488,6 @@
               <a:rPr lang="en-US" dirty="0"/>
               <a:t>Data Frame</a:t>
             </a:r>
-            <a:endParaRPr lang="en-US" dirty="0"/>
           </a:p>
         </p:txBody>
       </p:sp>
@@ -16551,7 +16528,6 @@
               <a:rPr lang="en-US" dirty="0"/>
               <a:t> </a:t>
             </a:r>
-            <a:endParaRPr lang="en-US" dirty="0"/>
           </a:p>
         </p:txBody>
       </p:sp>
@@ -16655,15 +16631,7 @@
           <a:p>
             <a:r>
               <a:rPr lang="en-US" dirty="0" smtClean="0"/>
-              <a:t>Vector: </a:t>
-            </a:r>
-            <a:r>
-              <a:rPr lang="en-US" dirty="0" smtClean="0"/>
-              <a:t>1</a:t>
-            </a:r>
-            <a:r>
-              <a:rPr lang="en-US" dirty="0" smtClean="0"/>
-              <a:t>-dimensional collection of like elements</a:t>
+              <a:t>Vector: 1-dimensional collection of like elements</a:t>
             </a:r>
           </a:p>
           <a:p>
@@ -16863,7 +16831,6 @@
               <a:rPr lang="en-US" dirty="0"/>
               <a:t> </a:t>
             </a:r>
-            <a:endParaRPr lang="en-US" dirty="0"/>
           </a:p>
         </p:txBody>
       </p:sp>
@@ -17392,7 +17359,6 @@
               <a:rPr lang="en-US" dirty="0"/>
               <a:t> </a:t>
             </a:r>
-            <a:endParaRPr lang="en-US" dirty="0"/>
           </a:p>
         </p:txBody>
       </p:sp>
